--- a/science/EoRNotesSupplement.pptx
+++ b/science/EoRNotesSupplement.pptx
@@ -5,10 +5,10 @@
     <p:sldMasterId id="2147483648" r:id="rId1"/>
   </p:sldMasterIdLst>
   <p:notesMasterIdLst>
-    <p:notesMasterId r:id="rId15"/>
+    <p:notesMasterId r:id="rId16"/>
   </p:notesMasterIdLst>
   <p:handoutMasterIdLst>
-    <p:handoutMasterId r:id="rId16"/>
+    <p:handoutMasterId r:id="rId17"/>
   </p:handoutMasterIdLst>
   <p:sldIdLst>
     <p:sldId id="256" r:id="rId2"/>
@@ -24,6 +24,7 @@
     <p:sldId id="1034" r:id="rId12"/>
     <p:sldId id="1035" r:id="rId13"/>
     <p:sldId id="1031" r:id="rId14"/>
+    <p:sldId id="1040" r:id="rId15"/>
   </p:sldIdLst>
   <p:sldSz cx="12192000" cy="6858000"/>
   <p:notesSz cx="6858000" cy="9144000"/>
@@ -227,7 +228,7 @@
           <a:p>
             <a:fld id="{26F46478-05F9-F045-89EA-038EDD9F390D}" type="datetimeFigureOut">
               <a:rPr lang="en-US" smtClean="0"/>
-              <a:t>11/6/21</a:t>
+              <a:t>11/7/21</a:t>
             </a:fld>
             <a:endParaRPr lang="en-US"/>
           </a:p>
@@ -404,7 +405,7 @@
           <a:p>
             <a:fld id="{F4220ECC-4507-1945-9DD6-ECA7311228A6}" type="datetimeFigureOut">
               <a:rPr lang="en-US" smtClean="0"/>
-              <a:t>11/6/21</a:t>
+              <a:t>11/7/21</a:t>
             </a:fld>
             <a:endParaRPr lang="en-US"/>
           </a:p>
@@ -938,6 +939,67 @@
 </p:notes>
 </file>
 
+<file path=ppt/notesSlides/notesSlide5.xml><?xml version="1.0" encoding="utf-8"?>
+<p:notes xmlns:a="http://schemas.openxmlformats.org/drawingml/2006/main" xmlns:r="http://schemas.openxmlformats.org/officeDocument/2006/relationships" xmlns:p="http://schemas.openxmlformats.org/presentationml/2006/main">
+  <p:cSld>
+    <p:spTree>
+      <p:nvGrpSpPr>
+        <p:cNvPr id="1" name=""/>
+        <p:cNvGrpSpPr/>
+        <p:nvPr/>
+      </p:nvGrpSpPr>
+      <p:grpSpPr>
+        <a:xfrm>
+          <a:off x="0" y="0"/>
+          <a:ext cx="0" cy="0"/>
+          <a:chOff x="0" y="0"/>
+          <a:chExt cx="0" cy="0"/>
+        </a:xfrm>
+      </p:grpSpPr>
+      <p:sp>
+        <p:nvSpPr>
+          <p:cNvPr id="2" name="Slide Image Placeholder 1"/>
+          <p:cNvSpPr>
+            <a:spLocks noGrp="1" noRot="1" noChangeAspect="1"/>
+          </p:cNvSpPr>
+          <p:nvPr>
+            <p:ph type="sldImg"/>
+          </p:nvPr>
+        </p:nvSpPr>
+        <p:spPr/>
+      </p:sp>
+      <p:sp>
+        <p:nvSpPr>
+          <p:cNvPr id="3" name="Notes Placeholder 2"/>
+          <p:cNvSpPr>
+            <a:spLocks noGrp="1"/>
+          </p:cNvSpPr>
+          <p:nvPr>
+            <p:ph type="body" idx="1"/>
+          </p:nvPr>
+        </p:nvSpPr>
+        <p:spPr/>
+        <p:txBody>
+          <a:bodyPr/>
+          <a:lstStyle/>
+          <a:p>
+            <a:endParaRPr lang="en-US"/>
+          </a:p>
+        </p:txBody>
+      </p:sp>
+    </p:spTree>
+    <p:extLst>
+      <p:ext uri="{BB962C8B-B14F-4D97-AF65-F5344CB8AC3E}">
+        <p14:creationId xmlns:p14="http://schemas.microsoft.com/office/powerpoint/2010/main" val="3006110133"/>
+      </p:ext>
+    </p:extLst>
+  </p:cSld>
+  <p:clrMapOvr>
+    <a:masterClrMapping/>
+  </p:clrMapOvr>
+</p:notes>
+</file>
+
 <file path=ppt/slideLayouts/slideLayout1.xml><?xml version="1.0" encoding="utf-8"?>
 <p:sldLayout xmlns:a="http://schemas.openxmlformats.org/drawingml/2006/main" xmlns:r="http://schemas.openxmlformats.org/officeDocument/2006/relationships" xmlns:p="http://schemas.openxmlformats.org/presentationml/2006/main" type="title" preserve="1">
   <p:cSld name="Title Slide">
@@ -1085,7 +1147,7 @@
           <a:p>
             <a:fld id="{3F1B8D97-2CF1-2843-A93A-FA70B47820D7}" type="datetime1">
               <a:rPr lang="en-US" smtClean="0"/>
-              <a:t>11/6/21</a:t>
+              <a:t>11/7/21</a:t>
             </a:fld>
             <a:endParaRPr lang="en-US"/>
           </a:p>
@@ -1300,7 +1362,7 @@
           <a:p>
             <a:fld id="{5191583D-FA0F-5F4A-AB1B-E07A2D92C65B}" type="datetime1">
               <a:rPr lang="en-US" smtClean="0"/>
-              <a:t>11/6/21</a:t>
+              <a:t>11/7/21</a:t>
             </a:fld>
             <a:endParaRPr lang="en-US"/>
           </a:p>
@@ -1516,7 +1578,7 @@
           <a:p>
             <a:fld id="{2FDDC09D-AD0E-3E48-A609-693E720C3CF7}" type="datetime1">
               <a:rPr lang="en-US" smtClean="0"/>
-              <a:t>11/6/21</a:t>
+              <a:t>11/7/21</a:t>
             </a:fld>
             <a:endParaRPr lang="en-US"/>
           </a:p>
@@ -1722,7 +1784,7 @@
           <a:p>
             <a:fld id="{44DEDD7F-80F0-3941-B0FC-ED47EDA8FFB0}" type="datetime1">
               <a:rPr lang="en-US" smtClean="0"/>
-              <a:t>11/6/21</a:t>
+              <a:t>11/7/21</a:t>
             </a:fld>
             <a:endParaRPr lang="en-US"/>
           </a:p>
@@ -2014,7 +2076,7 @@
           <a:p>
             <a:fld id="{50671D74-80A3-0B45-82A6-BD1B155E5BD0}" type="datetime1">
               <a:rPr lang="en-US" smtClean="0"/>
-              <a:t>11/6/21</a:t>
+              <a:t>11/7/21</a:t>
             </a:fld>
             <a:endParaRPr lang="en-US"/>
           </a:p>
@@ -2287,7 +2349,7 @@
           <a:p>
             <a:fld id="{74C833ED-5242-E14D-BA60-8624882653CD}" type="datetime1">
               <a:rPr lang="en-US" smtClean="0"/>
-              <a:t>11/6/21</a:t>
+              <a:t>11/7/21</a:t>
             </a:fld>
             <a:endParaRPr lang="en-US"/>
           </a:p>
@@ -2707,7 +2769,7 @@
           <a:p>
             <a:fld id="{A611C7C2-57B9-0748-8767-6C52B68F8363}" type="datetime1">
               <a:rPr lang="en-US" smtClean="0"/>
-              <a:t>11/6/21</a:t>
+              <a:t>11/7/21</a:t>
             </a:fld>
             <a:endParaRPr lang="en-US"/>
           </a:p>
@@ -2856,7 +2918,7 @@
           <a:p>
             <a:fld id="{4931262B-B4F6-9E41-8DDD-BA420FD6B0A6}" type="datetime1">
               <a:rPr lang="en-US" smtClean="0"/>
-              <a:t>11/6/21</a:t>
+              <a:t>11/7/21</a:t>
             </a:fld>
             <a:endParaRPr lang="en-US"/>
           </a:p>
@@ -2977,7 +3039,7 @@
           <a:p>
             <a:fld id="{8907FEBE-53FC-164F-A441-895CAD833D53}" type="datetime1">
               <a:rPr lang="en-US" smtClean="0"/>
-              <a:t>11/6/21</a:t>
+              <a:t>11/7/21</a:t>
             </a:fld>
             <a:endParaRPr lang="en-US"/>
           </a:p>
@@ -3296,7 +3358,7 @@
           <a:p>
             <a:fld id="{02C1CB25-27CA-1448-BC28-6E4321DE018B}" type="datetime1">
               <a:rPr lang="en-US" smtClean="0"/>
-              <a:t>11/6/21</a:t>
+              <a:t>11/7/21</a:t>
             </a:fld>
             <a:endParaRPr lang="en-US"/>
           </a:p>
@@ -3592,7 +3654,7 @@
           <a:p>
             <a:fld id="{3DCCD2CD-E0E1-1146-A61F-5D818F988B78}" type="datetime1">
               <a:rPr lang="en-US" smtClean="0"/>
-              <a:t>11/6/21</a:t>
+              <a:t>11/7/21</a:t>
             </a:fld>
             <a:endParaRPr lang="en-US"/>
           </a:p>
@@ -3841,7 +3903,7 @@
           <a:p>
             <a:fld id="{C04DA28B-AB05-F24F-B6B3-60730936FBDB}" type="datetime1">
               <a:rPr lang="en-US" smtClean="0"/>
-              <a:t>11/6/21</a:t>
+              <a:t>11/7/21</a:t>
             </a:fld>
             <a:endParaRPr lang="en-US"/>
           </a:p>
@@ -4443,8 +4505,8 @@
           </a:p>
         </p:txBody>
       </p:sp>
-      <mc:AlternateContent xmlns:mc="http://schemas.openxmlformats.org/markup-compatibility/2006">
-        <mc:Choice xmlns:a14="http://schemas.microsoft.com/office/drawing/2010/main" Requires="a14">
+      <mc:AlternateContent xmlns:mc="http://schemas.openxmlformats.org/markup-compatibility/2006" xmlns:a14="http://schemas.microsoft.com/office/drawing/2010/main">
+        <mc:Choice Requires="a14">
           <p:sp>
             <p:nvSpPr>
               <p:cNvPr id="3" name="Content Placeholder 2">
@@ -4488,7 +4550,7 @@
             </p:txBody>
           </p:sp>
         </mc:Choice>
-        <mc:Fallback>
+        <mc:Fallback xmlns="">
           <p:sp>
             <p:nvSpPr>
               <p:cNvPr id="3" name="Content Placeholder 2">
@@ -4790,8 +4852,8 @@
           </a:p>
         </p:txBody>
       </p:sp>
-      <mc:AlternateContent xmlns:mc="http://schemas.openxmlformats.org/markup-compatibility/2006">
-        <mc:Choice xmlns:a14="http://schemas.microsoft.com/office/drawing/2010/main" Requires="a14">
+      <mc:AlternateContent xmlns:mc="http://schemas.openxmlformats.org/markup-compatibility/2006" xmlns:a14="http://schemas.microsoft.com/office/drawing/2010/main">
+        <mc:Choice Requires="a14">
           <p:sp>
             <p:nvSpPr>
               <p:cNvPr id="346" name="Content Placeholder 2">
@@ -5570,7 +5632,7 @@
             </p:txBody>
           </p:sp>
         </mc:Choice>
-        <mc:Fallback>
+        <mc:Fallback xmlns="">
           <p:sp>
             <p:nvSpPr>
               <p:cNvPr id="346" name="Content Placeholder 2">
@@ -13154,6 +13216,447 @@
         </p:nvSpPr>
         <p:spPr>
           <a:xfrm>
+            <a:off x="185530" y="306656"/>
+            <a:ext cx="11529391" cy="769441"/>
+          </a:xfrm>
+          <a:prstGeom prst="rect">
+            <a:avLst/>
+          </a:prstGeom>
+          <a:noFill/>
+        </p:spPr>
+        <p:txBody>
+          <a:bodyPr wrap="square" rtlCol="0">
+            <a:spAutoFit/>
+          </a:bodyPr>
+          <a:lstStyle/>
+          <a:p>
+            <a:pPr algn="ctr"/>
+            <a:r>
+              <a:rPr lang="en-US" sz="4400" dirty="0">
+                <a:latin typeface="+mj-lt"/>
+              </a:rPr>
+              <a:t>Pinouts</a:t>
+            </a:r>
+          </a:p>
+        </p:txBody>
+      </p:sp>
+      <p:sp>
+        <p:nvSpPr>
+          <p:cNvPr id="3" name="Slide Number Placeholder 2">
+            <a:extLst>
+              <a:ext uri="{FF2B5EF4-FFF2-40B4-BE49-F238E27FC236}">
+                <a16:creationId xmlns:a16="http://schemas.microsoft.com/office/drawing/2014/main" id="{6826992A-7B64-6440-A560-83BE3668A105}"/>
+              </a:ext>
+            </a:extLst>
+          </p:cNvPr>
+          <p:cNvSpPr>
+            <a:spLocks noGrp="1"/>
+          </p:cNvSpPr>
+          <p:nvPr>
+            <p:ph type="sldNum" sz="quarter" idx="2"/>
+          </p:nvPr>
+        </p:nvSpPr>
+        <p:spPr>
+          <a:xfrm>
+            <a:off x="6553200" y="6404292"/>
+            <a:ext cx="2133600" cy="269241"/>
+          </a:xfrm>
+          <a:prstGeom prst="rect">
+            <a:avLst/>
+          </a:prstGeom>
+          <a:ln w="12700">
+            <a:miter lim="400000"/>
+          </a:ln>
+        </p:spPr>
+        <p:txBody>
+          <a:bodyPr lIns="45719" rIns="45719" anchor="ctr">
+            <a:spAutoFit/>
+          </a:bodyPr>
+          <a:lstStyle>
+            <a:lvl1pPr algn="r" defTabSz="457200">
+              <a:defRPr sz="1200">
+                <a:solidFill>
+                  <a:srgbClr val="888888"/>
+                </a:solidFill>
+                <a:latin typeface="Calibri"/>
+                <a:ea typeface="Calibri"/>
+                <a:cs typeface="Calibri"/>
+                <a:sym typeface="Calibri"/>
+              </a:defRPr>
+            </a:lvl1pPr>
+            <a:lvl2pPr indent="457200" defTabSz="457200">
+              <a:defRPr>
+                <a:latin typeface="Calibri"/>
+                <a:ea typeface="Calibri"/>
+                <a:cs typeface="Calibri"/>
+                <a:sym typeface="Calibri"/>
+              </a:defRPr>
+            </a:lvl2pPr>
+            <a:lvl3pPr indent="914400" defTabSz="457200">
+              <a:defRPr>
+                <a:latin typeface="Calibri"/>
+                <a:ea typeface="Calibri"/>
+                <a:cs typeface="Calibri"/>
+                <a:sym typeface="Calibri"/>
+              </a:defRPr>
+            </a:lvl3pPr>
+            <a:lvl4pPr indent="1371600" defTabSz="457200">
+              <a:defRPr>
+                <a:latin typeface="Calibri"/>
+                <a:ea typeface="Calibri"/>
+                <a:cs typeface="Calibri"/>
+                <a:sym typeface="Calibri"/>
+              </a:defRPr>
+            </a:lvl4pPr>
+            <a:lvl5pPr indent="1828800" defTabSz="457200">
+              <a:defRPr>
+                <a:latin typeface="Calibri"/>
+                <a:ea typeface="Calibri"/>
+                <a:cs typeface="Calibri"/>
+                <a:sym typeface="Calibri"/>
+              </a:defRPr>
+            </a:lvl5pPr>
+            <a:lvl6pPr indent="2286000" defTabSz="457200">
+              <a:defRPr>
+                <a:latin typeface="Calibri"/>
+                <a:ea typeface="Calibri"/>
+                <a:cs typeface="Calibri"/>
+                <a:sym typeface="Calibri"/>
+              </a:defRPr>
+            </a:lvl6pPr>
+            <a:lvl7pPr indent="2743200" defTabSz="457200">
+              <a:defRPr>
+                <a:latin typeface="Calibri"/>
+                <a:ea typeface="Calibri"/>
+                <a:cs typeface="Calibri"/>
+                <a:sym typeface="Calibri"/>
+              </a:defRPr>
+            </a:lvl7pPr>
+            <a:lvl8pPr indent="3200400" defTabSz="457200">
+              <a:defRPr>
+                <a:latin typeface="Calibri"/>
+                <a:ea typeface="Calibri"/>
+                <a:cs typeface="Calibri"/>
+                <a:sym typeface="Calibri"/>
+              </a:defRPr>
+            </a:lvl8pPr>
+            <a:lvl9pPr indent="3657600" defTabSz="457200">
+              <a:defRPr>
+                <a:latin typeface="Calibri"/>
+                <a:ea typeface="Calibri"/>
+                <a:cs typeface="Calibri"/>
+                <a:sym typeface="Calibri"/>
+              </a:defRPr>
+            </a:lvl9pPr>
+          </a:lstStyle>
+          <a:p>
+            <a:pPr lvl="0"/>
+            <a:fld id="{86CB4B4D-7CA3-9044-876B-883B54F8677D}" type="slidenum">
+              <a:rPr lang="en-US" smtClean="0"/>
+              <a:pPr lvl="0"/>
+              <a:t>13</a:t>
+            </a:fld>
+            <a:endParaRPr lang="en-US"/>
+          </a:p>
+        </p:txBody>
+      </p:sp>
+      <p:pic>
+        <p:nvPicPr>
+          <p:cNvPr id="1026" name="Picture 2" descr="IRF510 Transistor Pinout, Equivalent, Uses, Features and Other Details -  Components Info">
+            <a:extLst>
+              <a:ext uri="{FF2B5EF4-FFF2-40B4-BE49-F238E27FC236}">
+                <a16:creationId xmlns:a16="http://schemas.microsoft.com/office/drawing/2014/main" id="{41441DF6-A089-3344-9C1D-3323C86F517F}"/>
+              </a:ext>
+            </a:extLst>
+          </p:cNvPr>
+          <p:cNvPicPr>
+            <a:picLocks noChangeAspect="1" noChangeArrowheads="1"/>
+          </p:cNvPicPr>
+          <p:nvPr/>
+        </p:nvPicPr>
+        <p:blipFill>
+          <a:blip r:embed="rId3">
+            <a:extLst>
+              <a:ext uri="{28A0092B-C50C-407E-A947-70E740481C1C}">
+                <a14:useLocalDpi xmlns:a14="http://schemas.microsoft.com/office/drawing/2010/main" val="0"/>
+              </a:ext>
+            </a:extLst>
+          </a:blip>
+          <a:srcRect/>
+          <a:stretch>
+            <a:fillRect/>
+          </a:stretch>
+        </p:blipFill>
+        <p:spPr bwMode="auto">
+          <a:xfrm>
+            <a:off x="418735" y="2127612"/>
+            <a:ext cx="4401457" cy="3734023"/>
+          </a:xfrm>
+          <a:prstGeom prst="rect">
+            <a:avLst/>
+          </a:prstGeom>
+          <a:noFill/>
+          <a:extLst>
+            <a:ext uri="{909E8E84-426E-40DD-AFC4-6F175D3DCCD1}">
+              <a14:hiddenFill xmlns:a14="http://schemas.microsoft.com/office/drawing/2010/main">
+                <a:solidFill>
+                  <a:srgbClr val="FFFFFF"/>
+                </a:solidFill>
+              </a14:hiddenFill>
+            </a:ext>
+          </a:extLst>
+        </p:spPr>
+      </p:pic>
+      <p:pic>
+        <p:nvPicPr>
+          <p:cNvPr id="1028" name="Picture 4" descr="2N7000 - Wikipedia">
+            <a:extLst>
+              <a:ext uri="{FF2B5EF4-FFF2-40B4-BE49-F238E27FC236}">
+                <a16:creationId xmlns:a16="http://schemas.microsoft.com/office/drawing/2014/main" id="{29C2E9F1-2998-3C47-910B-A57551CD1C5D}"/>
+              </a:ext>
+            </a:extLst>
+          </p:cNvPr>
+          <p:cNvPicPr>
+            <a:picLocks noChangeAspect="1" noChangeArrowheads="1"/>
+          </p:cNvPicPr>
+          <p:nvPr/>
+        </p:nvPicPr>
+        <p:blipFill>
+          <a:blip r:embed="rId4">
+            <a:extLst>
+              <a:ext uri="{28A0092B-C50C-407E-A947-70E740481C1C}">
+                <a14:useLocalDpi xmlns:a14="http://schemas.microsoft.com/office/drawing/2010/main" val="0"/>
+              </a:ext>
+            </a:extLst>
+          </a:blip>
+          <a:srcRect/>
+          <a:stretch>
+            <a:fillRect/>
+          </a:stretch>
+        </p:blipFill>
+        <p:spPr bwMode="auto">
+          <a:xfrm>
+            <a:off x="5323478" y="1763053"/>
+            <a:ext cx="3441700" cy="2362200"/>
+          </a:xfrm>
+          <a:prstGeom prst="rect">
+            <a:avLst/>
+          </a:prstGeom>
+          <a:noFill/>
+          <a:extLst>
+            <a:ext uri="{909E8E84-426E-40DD-AFC4-6F175D3DCCD1}">
+              <a14:hiddenFill xmlns:a14="http://schemas.microsoft.com/office/drawing/2010/main">
+                <a:solidFill>
+                  <a:srgbClr val="FFFFFF"/>
+                </a:solidFill>
+              </a14:hiddenFill>
+            </a:ext>
+          </a:extLst>
+        </p:spPr>
+      </p:pic>
+      <p:pic>
+        <p:nvPicPr>
+          <p:cNvPr id="1030" name="Picture 6" descr="Datasheet J310">
+            <a:extLst>
+              <a:ext uri="{FF2B5EF4-FFF2-40B4-BE49-F238E27FC236}">
+                <a16:creationId xmlns:a16="http://schemas.microsoft.com/office/drawing/2014/main" id="{41DA0811-1514-6E4B-97D9-1181B3BB905C}"/>
+              </a:ext>
+            </a:extLst>
+          </p:cNvPr>
+          <p:cNvPicPr>
+            <a:picLocks noChangeAspect="1" noChangeArrowheads="1"/>
+          </p:cNvPicPr>
+          <p:nvPr/>
+        </p:nvPicPr>
+        <p:blipFill>
+          <a:blip r:embed="rId5">
+            <a:extLst>
+              <a:ext uri="{28A0092B-C50C-407E-A947-70E740481C1C}">
+                <a14:useLocalDpi xmlns:a14="http://schemas.microsoft.com/office/drawing/2010/main" val="0"/>
+              </a:ext>
+            </a:extLst>
+          </a:blip>
+          <a:srcRect/>
+          <a:stretch>
+            <a:fillRect/>
+          </a:stretch>
+        </p:blipFill>
+        <p:spPr bwMode="auto">
+          <a:xfrm>
+            <a:off x="9265562" y="939573"/>
+            <a:ext cx="2755900" cy="5194300"/>
+          </a:xfrm>
+          <a:prstGeom prst="rect">
+            <a:avLst/>
+          </a:prstGeom>
+          <a:noFill/>
+          <a:extLst>
+            <a:ext uri="{909E8E84-426E-40DD-AFC4-6F175D3DCCD1}">
+              <a14:hiddenFill xmlns:a14="http://schemas.microsoft.com/office/drawing/2010/main">
+                <a:solidFill>
+                  <a:srgbClr val="FFFFFF"/>
+                </a:solidFill>
+              </a14:hiddenFill>
+            </a:ext>
+          </a:extLst>
+        </p:spPr>
+      </p:pic>
+      <p:sp>
+        <p:nvSpPr>
+          <p:cNvPr id="4" name="TextBox 3">
+            <a:extLst>
+              <a:ext uri="{FF2B5EF4-FFF2-40B4-BE49-F238E27FC236}">
+                <a16:creationId xmlns:a16="http://schemas.microsoft.com/office/drawing/2014/main" id="{F3E766FD-E1F0-9E41-AABA-BB87CE307E22}"/>
+              </a:ext>
+            </a:extLst>
+          </p:cNvPr>
+          <p:cNvSpPr txBox="1"/>
+          <p:nvPr/>
+        </p:nvSpPr>
+        <p:spPr>
+          <a:xfrm>
+            <a:off x="10241280" y="6128203"/>
+            <a:ext cx="1201782" cy="369332"/>
+          </a:xfrm>
+          <a:prstGeom prst="rect">
+            <a:avLst/>
+          </a:prstGeom>
+          <a:noFill/>
+        </p:spPr>
+        <p:txBody>
+          <a:bodyPr wrap="square" rtlCol="0">
+            <a:spAutoFit/>
+          </a:bodyPr>
+          <a:lstStyle/>
+          <a:p>
+            <a:r>
+              <a:rPr lang="en-US" dirty="0"/>
+              <a:t>J309</a:t>
+            </a:r>
+          </a:p>
+        </p:txBody>
+      </p:sp>
+      <p:pic>
+        <p:nvPicPr>
+          <p:cNvPr id="1032" name="Picture 8" descr="2N3904 Pinout &amp; Features for Beginners - NerdyTechy">
+            <a:extLst>
+              <a:ext uri="{FF2B5EF4-FFF2-40B4-BE49-F238E27FC236}">
+                <a16:creationId xmlns:a16="http://schemas.microsoft.com/office/drawing/2014/main" id="{4E769AC8-E0A0-7C41-8AFA-8BB6D43DFA66}"/>
+              </a:ext>
+            </a:extLst>
+          </p:cNvPr>
+          <p:cNvPicPr>
+            <a:picLocks noChangeAspect="1" noChangeArrowheads="1"/>
+          </p:cNvPicPr>
+          <p:nvPr/>
+        </p:nvPicPr>
+        <p:blipFill>
+          <a:blip r:embed="rId6">
+            <a:extLst>
+              <a:ext uri="{28A0092B-C50C-407E-A947-70E740481C1C}">
+                <a14:useLocalDpi xmlns:a14="http://schemas.microsoft.com/office/drawing/2010/main" val="0"/>
+              </a:ext>
+            </a:extLst>
+          </a:blip>
+          <a:srcRect/>
+          <a:stretch>
+            <a:fillRect/>
+          </a:stretch>
+        </p:blipFill>
+        <p:spPr bwMode="auto">
+          <a:xfrm>
+            <a:off x="5294993" y="4223475"/>
+            <a:ext cx="3822700" cy="2120900"/>
+          </a:xfrm>
+          <a:prstGeom prst="rect">
+            <a:avLst/>
+          </a:prstGeom>
+          <a:noFill/>
+          <a:extLst>
+            <a:ext uri="{909E8E84-426E-40DD-AFC4-6F175D3DCCD1}">
+              <a14:hiddenFill xmlns:a14="http://schemas.microsoft.com/office/drawing/2010/main">
+                <a:solidFill>
+                  <a:srgbClr val="FFFFFF"/>
+                </a:solidFill>
+              </a14:hiddenFill>
+            </a:ext>
+          </a:extLst>
+        </p:spPr>
+      </p:pic>
+    </p:spTree>
+    <p:extLst>
+      <p:ext uri="{BB962C8B-B14F-4D97-AF65-F5344CB8AC3E}">
+        <p14:creationId xmlns:p14="http://schemas.microsoft.com/office/powerpoint/2010/main" val="1824306608"/>
+      </p:ext>
+    </p:extLst>
+  </p:cSld>
+  <p:clrMapOvr>
+    <a:masterClrMapping/>
+  </p:clrMapOvr>
+</p:sld>
+</file>
+
+<file path=ppt/slides/slide14.xml><?xml version="1.0" encoding="utf-8"?>
+<p:sld xmlns:a="http://schemas.openxmlformats.org/drawingml/2006/main" xmlns:r="http://schemas.openxmlformats.org/officeDocument/2006/relationships" xmlns:p="http://schemas.openxmlformats.org/presentationml/2006/main">
+  <p:cSld>
+    <p:spTree>
+      <p:nvGrpSpPr>
+        <p:cNvPr id="1" name=""/>
+        <p:cNvGrpSpPr/>
+        <p:nvPr/>
+      </p:nvGrpSpPr>
+      <p:grpSpPr>
+        <a:xfrm>
+          <a:off x="0" y="0"/>
+          <a:ext cx="0" cy="0"/>
+          <a:chOff x="0" y="0"/>
+          <a:chExt cx="0" cy="0"/>
+        </a:xfrm>
+      </p:grpSpPr>
+      <p:sp>
+        <p:nvSpPr>
+          <p:cNvPr id="50" name="Shape 50"/>
+          <p:cNvSpPr/>
+          <p:nvPr/>
+        </p:nvSpPr>
+        <p:spPr>
+          <a:xfrm>
+            <a:off x="2142997" y="9217524"/>
+            <a:ext cx="342902" cy="2"/>
+          </a:xfrm>
+          <a:prstGeom prst="line">
+            <a:avLst/>
+          </a:prstGeom>
+          <a:ln w="6350">
+            <a:solidFill/>
+            <a:round/>
+          </a:ln>
+        </p:spPr>
+        <p:txBody>
+          <a:bodyPr lIns="0" tIns="0" rIns="0" bIns="0"/>
+          <a:lstStyle/>
+          <a:p>
+            <a:pPr lvl="0">
+              <a:defRPr sz="1200"/>
+            </a:pPr>
+            <a:endParaRPr sz="1200"/>
+          </a:p>
+        </p:txBody>
+      </p:sp>
+      <p:sp>
+        <p:nvSpPr>
+          <p:cNvPr id="62" name="TextBox 61">
+            <a:extLst>
+              <a:ext uri="{FF2B5EF4-FFF2-40B4-BE49-F238E27FC236}">
+                <a16:creationId xmlns:a16="http://schemas.microsoft.com/office/drawing/2014/main" id="{3873609E-5820-9C44-AC6E-8C3AAC0AA9CB}"/>
+              </a:ext>
+            </a:extLst>
+          </p:cNvPr>
+          <p:cNvSpPr txBox="1"/>
+          <p:nvPr/>
+        </p:nvSpPr>
+        <p:spPr>
+          <a:xfrm>
             <a:off x="185530" y="155731"/>
             <a:ext cx="11529391" cy="769441"/>
           </a:xfrm>
@@ -13292,7 +13795,7 @@
             <a:fld id="{86CB4B4D-7CA3-9044-876B-883B54F8677D}" type="slidenum">
               <a:rPr lang="en-US" smtClean="0"/>
               <a:pPr lvl="0"/>
-              <a:t>13</a:t>
+              <a:t>14</a:t>
             </a:fld>
             <a:endParaRPr lang="en-US"/>
           </a:p>
@@ -13301,7 +13804,7 @@
     </p:spTree>
     <p:extLst>
       <p:ext uri="{BB962C8B-B14F-4D97-AF65-F5344CB8AC3E}">
-        <p14:creationId xmlns:p14="http://schemas.microsoft.com/office/powerpoint/2010/main" val="1824306608"/>
+        <p14:creationId xmlns:p14="http://schemas.microsoft.com/office/powerpoint/2010/main" val="1742209488"/>
       </p:ext>
     </p:extLst>
   </p:cSld>
@@ -30198,8 +30701,8 @@
           </a:p>
         </p:txBody>
       </p:sp>
-      <mc:AlternateContent xmlns:mc="http://schemas.openxmlformats.org/markup-compatibility/2006">
-        <mc:Choice xmlns:a14="http://schemas.microsoft.com/office/drawing/2010/main" Requires="a14">
+      <mc:AlternateContent xmlns:mc="http://schemas.openxmlformats.org/markup-compatibility/2006" xmlns:a14="http://schemas.microsoft.com/office/drawing/2010/main">
+        <mc:Choice Requires="a14">
           <p:sp>
             <p:nvSpPr>
               <p:cNvPr id="3" name="Content Placeholder 2">
@@ -31699,7 +32202,7 @@
             </p:txBody>
           </p:sp>
         </mc:Choice>
-        <mc:Fallback>
+        <mc:Fallback xmlns="">
           <p:sp>
             <p:nvSpPr>
               <p:cNvPr id="3" name="Content Placeholder 2">
@@ -31836,8 +32339,8 @@
           </a:p>
         </p:txBody>
       </p:sp>
-      <mc:AlternateContent xmlns:mc="http://schemas.openxmlformats.org/markup-compatibility/2006">
-        <mc:Choice xmlns:a14="http://schemas.microsoft.com/office/drawing/2010/main" Requires="a14">
+      <mc:AlternateContent xmlns:mc="http://schemas.openxmlformats.org/markup-compatibility/2006" xmlns:a14="http://schemas.microsoft.com/office/drawing/2010/main">
+        <mc:Choice Requires="a14">
           <p:sp>
             <p:nvSpPr>
               <p:cNvPr id="3" name="Content Placeholder 2">
@@ -33359,7 +33862,7 @@
             </p:txBody>
           </p:sp>
         </mc:Choice>
-        <mc:Fallback>
+        <mc:Fallback xmlns="">
           <p:sp>
             <p:nvSpPr>
               <p:cNvPr id="3" name="Content Placeholder 2">
@@ -33496,8 +33999,8 @@
           </a:p>
         </p:txBody>
       </p:sp>
-      <mc:AlternateContent xmlns:mc="http://schemas.openxmlformats.org/markup-compatibility/2006">
-        <mc:Choice xmlns:a14="http://schemas.microsoft.com/office/drawing/2010/main" Requires="a14">
+      <mc:AlternateContent xmlns:mc="http://schemas.openxmlformats.org/markup-compatibility/2006" xmlns:a14="http://schemas.microsoft.com/office/drawing/2010/main">
+        <mc:Choice Requires="a14">
           <p:sp>
             <p:nvSpPr>
               <p:cNvPr id="3" name="Content Placeholder 2">
@@ -33938,13 +34441,7 @@
                       <a:rPr lang="en-US" sz="2000" i="1">
                         <a:latin typeface="Cambria Math" panose="02040503050406030204" pitchFamily="18" charset="0"/>
                       </a:rPr>
-                      <m:t>=</m:t>
-                    </m:r>
-                    <m:r>
-                      <a:rPr lang="en-US" sz="2000" i="1">
-                        <a:latin typeface="Cambria Math" panose="02040503050406030204" pitchFamily="18" charset="0"/>
-                      </a:rPr>
-                      <m:t>−</m:t>
+                      <m:t>=−</m:t>
                     </m:r>
                     <m:f>
                       <m:fPr>
@@ -34008,13 +34505,7 @@
                       <a:rPr lang="en-US" sz="2000" i="1">
                         <a:latin typeface="Cambria Math" panose="02040503050406030204" pitchFamily="18" charset="0"/>
                       </a:rPr>
-                      <m:t>=</m:t>
-                    </m:r>
-                    <m:r>
-                      <a:rPr lang="en-US" sz="2000" i="1">
-                        <a:latin typeface="Cambria Math" panose="02040503050406030204" pitchFamily="18" charset="0"/>
-                      </a:rPr>
-                      <m:t>−</m:t>
+                      <m:t>=−</m:t>
                     </m:r>
                     <m:f>
                       <m:fPr>
@@ -34074,7 +34565,7 @@
             </p:txBody>
           </p:sp>
         </mc:Choice>
-        <mc:Fallback>
+        <mc:Fallback xmlns="">
           <p:sp>
             <p:nvSpPr>
               <p:cNvPr id="3" name="Content Placeholder 2">
@@ -34211,8 +34702,8 @@
           </a:p>
         </p:txBody>
       </p:sp>
-      <mc:AlternateContent xmlns:mc="http://schemas.openxmlformats.org/markup-compatibility/2006">
-        <mc:Choice xmlns:a14="http://schemas.microsoft.com/office/drawing/2010/main" Requires="a14">
+      <mc:AlternateContent xmlns:mc="http://schemas.openxmlformats.org/markup-compatibility/2006" xmlns:a14="http://schemas.microsoft.com/office/drawing/2010/main">
+        <mc:Choice Requires="a14">
           <p:sp>
             <p:nvSpPr>
               <p:cNvPr id="3" name="Content Placeholder 2">
@@ -35310,7 +35801,7 @@
             </p:txBody>
           </p:sp>
         </mc:Choice>
-        <mc:Fallback>
+        <mc:Fallback xmlns="">
           <p:sp>
             <p:nvSpPr>
               <p:cNvPr id="3" name="Content Placeholder 2">
